--- a/Lecture_14_2022.pptx
+++ b/Lecture_14_2022.pptx
@@ -2483,7 +2483,7 @@
       </p:sp>
       <p:pic>
         <p:nvPicPr>
-          <p:cNvPr id="4" name="Picture 3"/>
+          <p:cNvPr id="5" name="Picture 4"/>
           <p:cNvPicPr>
             <a:picLocks noChangeAspect="1"/>
           </p:cNvPicPr>
@@ -2497,8 +2497,8 @@
         </p:blipFill>
         <p:spPr>
           <a:xfrm>
-            <a:off x="1447800" y="2209800"/>
-            <a:ext cx="6400800" cy="3324123"/>
+            <a:off x="1358421" y="2057400"/>
+            <a:ext cx="6579558" cy="3832916"/>
           </a:xfrm>
           <a:prstGeom prst="rect">
             <a:avLst/>
@@ -2605,8 +2605,8 @@
         </p:blipFill>
         <p:spPr>
           <a:xfrm>
-            <a:off x="1447800" y="2286000"/>
-            <a:ext cx="6400800" cy="3457903"/>
+            <a:off x="1371600" y="2133600"/>
+            <a:ext cx="6770452" cy="3657600"/>
           </a:xfrm>
           <a:prstGeom prst="rect">
             <a:avLst/>
@@ -2698,7 +2698,7 @@
       </p:sp>
       <p:pic>
         <p:nvPicPr>
-          <p:cNvPr id="6" name="Picture 5"/>
+          <p:cNvPr id="4" name="Picture 3"/>
           <p:cNvPicPr>
             <a:picLocks noChangeAspect="1"/>
           </p:cNvPicPr>
@@ -2712,8 +2712,8 @@
         </p:blipFill>
         <p:spPr>
           <a:xfrm>
-            <a:off x="1295400" y="2209800"/>
-            <a:ext cx="6400800" cy="3435140"/>
+            <a:off x="1371600" y="1905000"/>
+            <a:ext cx="6477000" cy="3862130"/>
           </a:xfrm>
           <a:prstGeom prst="rect">
             <a:avLst/>
@@ -3248,25 +3248,162 @@
       </p:sp>
       <p:sp>
         <p:nvSpPr>
-          <p:cNvPr id="3" name="Content Placeholder 2"/>
-          <p:cNvSpPr>
-            <a:spLocks noGrp="1"/>
-          </p:cNvSpPr>
-          <p:nvPr>
-            <p:ph idx="1"/>
-          </p:nvPr>
+          <p:cNvPr id="5" name="Content Placeholder 2"/>
+          <p:cNvSpPr txBox="1">
+            <a:spLocks/>
+          </p:cNvSpPr>
+          <p:nvPr/>
         </p:nvSpPr>
         <p:spPr>
           <a:xfrm>
-            <a:off x="223982" y="1960418"/>
-            <a:ext cx="8620218" cy="3676037"/>
+            <a:off x="0" y="1905000"/>
+            <a:ext cx="8769438" cy="3676037"/>
           </a:xfrm>
+          <a:prstGeom prst="rect">
+            <a:avLst/>
+          </a:prstGeom>
         </p:spPr>
         <p:txBody>
-          <a:bodyPr>
+          <a:bodyPr vert="horz" lIns="91440" tIns="45720" rIns="91440" bIns="45720" rtlCol="0">
             <a:normAutofit fontScale="77500" lnSpcReduction="20000"/>
           </a:bodyPr>
-          <a:lstStyle/>
+          <a:lstStyle>
+            <a:lvl1pPr marL="0" indent="0" algn="just" defTabSz="914400" rtl="0" eaLnBrk="1" latinLnBrk="0" hangingPunct="1">
+              <a:spcBef>
+                <a:spcPct val="20000"/>
+              </a:spcBef>
+              <a:buFont typeface="Arial" pitchFamily="34" charset="0"/>
+              <a:buNone/>
+              <a:defRPr sz="3200" kern="1200">
+                <a:solidFill>
+                  <a:srgbClr val="000099"/>
+                </a:solidFill>
+                <a:latin typeface="+mn-lt"/>
+                <a:ea typeface="+mn-ea"/>
+                <a:cs typeface="+mn-cs"/>
+              </a:defRPr>
+            </a:lvl1pPr>
+            <a:lvl2pPr marL="742950" indent="-285750" algn="l" defTabSz="914400" rtl="0" eaLnBrk="1" latinLnBrk="0" hangingPunct="1">
+              <a:spcBef>
+                <a:spcPct val="20000"/>
+              </a:spcBef>
+              <a:buFont typeface="Arial" pitchFamily="34" charset="0"/>
+              <a:buNone/>
+              <a:defRPr sz="2800" kern="1200">
+                <a:solidFill>
+                  <a:srgbClr val="000099"/>
+                </a:solidFill>
+                <a:latin typeface="+mn-lt"/>
+                <a:ea typeface="+mn-ea"/>
+                <a:cs typeface="+mn-cs"/>
+              </a:defRPr>
+            </a:lvl2pPr>
+            <a:lvl3pPr marL="1143000" indent="-228600" algn="l" defTabSz="914400" rtl="0" eaLnBrk="1" latinLnBrk="0" hangingPunct="1">
+              <a:spcBef>
+                <a:spcPct val="20000"/>
+              </a:spcBef>
+              <a:buFont typeface="Arial" pitchFamily="34" charset="0"/>
+              <a:buNone/>
+              <a:defRPr sz="2400" kern="1200">
+                <a:solidFill>
+                  <a:srgbClr val="000099"/>
+                </a:solidFill>
+                <a:latin typeface="+mn-lt"/>
+                <a:ea typeface="+mn-ea"/>
+                <a:cs typeface="+mn-cs"/>
+              </a:defRPr>
+            </a:lvl3pPr>
+            <a:lvl4pPr marL="1600200" indent="-228600" algn="l" defTabSz="914400" rtl="0" eaLnBrk="1" latinLnBrk="0" hangingPunct="1">
+              <a:spcBef>
+                <a:spcPct val="20000"/>
+              </a:spcBef>
+              <a:buFont typeface="Arial" pitchFamily="34" charset="0"/>
+              <a:buNone/>
+              <a:defRPr sz="2000" kern="1200">
+                <a:solidFill>
+                  <a:srgbClr val="000099"/>
+                </a:solidFill>
+                <a:latin typeface="+mn-lt"/>
+                <a:ea typeface="+mn-ea"/>
+                <a:cs typeface="+mn-cs"/>
+              </a:defRPr>
+            </a:lvl4pPr>
+            <a:lvl5pPr marL="2057400" indent="-228600" algn="l" defTabSz="914400" rtl="0" eaLnBrk="1" latinLnBrk="0" hangingPunct="1">
+              <a:spcBef>
+                <a:spcPct val="20000"/>
+              </a:spcBef>
+              <a:buFont typeface="Arial" pitchFamily="34" charset="0"/>
+              <a:buNone/>
+              <a:defRPr sz="2000" kern="1200">
+                <a:solidFill>
+                  <a:srgbClr val="000099"/>
+                </a:solidFill>
+                <a:latin typeface="+mn-lt"/>
+                <a:ea typeface="+mn-ea"/>
+                <a:cs typeface="+mn-cs"/>
+              </a:defRPr>
+            </a:lvl5pPr>
+            <a:lvl6pPr marL="2514600" indent="-228600" algn="l" defTabSz="914400" rtl="0" eaLnBrk="1" latinLnBrk="0" hangingPunct="1">
+              <a:spcBef>
+                <a:spcPct val="20000"/>
+              </a:spcBef>
+              <a:buFont typeface="Arial" pitchFamily="34" charset="0"/>
+              <a:buChar char="•"/>
+              <a:defRPr sz="2000" kern="1200">
+                <a:solidFill>
+                  <a:schemeClr val="tx1"/>
+                </a:solidFill>
+                <a:latin typeface="+mn-lt"/>
+                <a:ea typeface="+mn-ea"/>
+                <a:cs typeface="+mn-cs"/>
+              </a:defRPr>
+            </a:lvl6pPr>
+            <a:lvl7pPr marL="2971800" indent="-228600" algn="l" defTabSz="914400" rtl="0" eaLnBrk="1" latinLnBrk="0" hangingPunct="1">
+              <a:spcBef>
+                <a:spcPct val="20000"/>
+              </a:spcBef>
+              <a:buFont typeface="Arial" pitchFamily="34" charset="0"/>
+              <a:buChar char="•"/>
+              <a:defRPr sz="2000" kern="1200">
+                <a:solidFill>
+                  <a:schemeClr val="tx1"/>
+                </a:solidFill>
+                <a:latin typeface="+mn-lt"/>
+                <a:ea typeface="+mn-ea"/>
+                <a:cs typeface="+mn-cs"/>
+              </a:defRPr>
+            </a:lvl7pPr>
+            <a:lvl8pPr marL="3429000" indent="-228600" algn="l" defTabSz="914400" rtl="0" eaLnBrk="1" latinLnBrk="0" hangingPunct="1">
+              <a:spcBef>
+                <a:spcPct val="20000"/>
+              </a:spcBef>
+              <a:buFont typeface="Arial" pitchFamily="34" charset="0"/>
+              <a:buChar char="•"/>
+              <a:defRPr sz="2000" kern="1200">
+                <a:solidFill>
+                  <a:schemeClr val="tx1"/>
+                </a:solidFill>
+                <a:latin typeface="+mn-lt"/>
+                <a:ea typeface="+mn-ea"/>
+                <a:cs typeface="+mn-cs"/>
+              </a:defRPr>
+            </a:lvl8pPr>
+            <a:lvl9pPr marL="3886200" indent="-228600" algn="l" defTabSz="914400" rtl="0" eaLnBrk="1" latinLnBrk="0" hangingPunct="1">
+              <a:spcBef>
+                <a:spcPct val="20000"/>
+              </a:spcBef>
+              <a:buFont typeface="Arial" pitchFamily="34" charset="0"/>
+              <a:buChar char="•"/>
+              <a:defRPr sz="2000" kern="1200">
+                <a:solidFill>
+                  <a:schemeClr val="tx1"/>
+                </a:solidFill>
+                <a:latin typeface="+mn-lt"/>
+                <a:ea typeface="+mn-ea"/>
+                <a:cs typeface="+mn-cs"/>
+              </a:defRPr>
+            </a:lvl9pPr>
+          </a:lstStyle>
           <a:p>
             <a:pPr marL="914400" lvl="1" indent="-457200">
               <a:lnSpc>
@@ -3284,23 +3421,7 @@
             </a:r>
             <a:r>
               <a:rPr lang="en-US" dirty="0" smtClean="0"/>
-              <a:t> </a:t>
-            </a:r>
-            <a:r>
-              <a:rPr lang="en-US" dirty="0"/>
-              <a:t>code (.m file). Be sure to include team </a:t>
-            </a:r>
-            <a:r>
-              <a:rPr lang="en-US" dirty="0" smtClean="0"/>
-              <a:t>member </a:t>
-            </a:r>
-            <a:r>
-              <a:rPr lang="en-US" dirty="0"/>
-              <a:t>names in comment lines in .m </a:t>
-            </a:r>
-            <a:r>
-              <a:rPr lang="en-US" dirty="0" smtClean="0"/>
-              <a:t>file</a:t>
+              <a:t> code (.m file). Be sure to include team member names in comment lines in .m file</a:t>
             </a:r>
           </a:p>
           <a:p>
@@ -3316,31 +3437,23 @@
             </a:pPr>
             <a:r>
               <a:rPr lang="en-US" dirty="0" smtClean="0"/>
-              <a:t>Output </a:t>
-            </a:r>
-            <a:r>
-              <a:rPr lang="en-US" dirty="0"/>
-              <a:t>and color/texture files, including: .gif, .</a:t>
-            </a:r>
-            <a:r>
-              <a:rPr lang="en-US" dirty="0" err="1"/>
+              <a:t>Output and color/texture files, including: .gif, .</a:t>
+            </a:r>
+            <a:r>
+              <a:rPr lang="en-US" dirty="0" err="1" smtClean="0"/>
               <a:t>obj</a:t>
             </a:r>
             <a:r>
-              <a:rPr lang="en-US" dirty="0"/>
+              <a:rPr lang="en-US" dirty="0" smtClean="0"/>
               <a:t>, </a:t>
             </a:r>
             <a:r>
-              <a:rPr lang="en-US" dirty="0" err="1"/>
+              <a:rPr lang="en-US" dirty="0" err="1" smtClean="0"/>
               <a:t>colors.mtl</a:t>
             </a:r>
             <a:r>
-              <a:rPr lang="en-US" dirty="0"/>
-              <a:t>, and .jpg </a:t>
-            </a:r>
-            <a:r>
-              <a:rPr lang="en-US" dirty="0" smtClean="0"/>
-              <a:t>files</a:t>
+              <a:rPr lang="en-US" dirty="0" smtClean="0"/>
+              <a:t>, and .jpg files</a:t>
             </a:r>
           </a:p>
           <a:p>
@@ -3356,15 +3469,7 @@
             </a:pPr>
             <a:r>
               <a:rPr lang="en-US" dirty="0" smtClean="0"/>
-              <a:t>No </a:t>
-            </a:r>
-            <a:r>
-              <a:rPr lang="en-US" dirty="0"/>
-              <a:t>need to include .p </a:t>
-            </a:r>
-            <a:r>
-              <a:rPr lang="en-US" dirty="0" smtClean="0"/>
-              <a:t>files</a:t>
+              <a:t>No need to include .p files</a:t>
             </a:r>
           </a:p>
           <a:p>
@@ -3380,23 +3485,15 @@
             </a:pPr>
             <a:r>
               <a:rPr lang="en-US" dirty="0" smtClean="0"/>
-              <a:t>Upload all files to </a:t>
-            </a:r>
-            <a:r>
-              <a:rPr lang="en-US" dirty="0"/>
-              <a:t>the </a:t>
-            </a:r>
-            <a:r>
-              <a:rPr lang="en-US" dirty="0" err="1"/>
+              <a:t>Upload all files to the </a:t>
+            </a:r>
+            <a:r>
+              <a:rPr lang="en-US" dirty="0" err="1" smtClean="0"/>
               <a:t>Brightspace</a:t>
             </a:r>
             <a:r>
-              <a:rPr lang="en-US" dirty="0"/>
-              <a:t> Monday section </a:t>
-            </a:r>
-            <a:r>
-              <a:rPr lang="en-US" dirty="0" smtClean="0"/>
-              <a:t>site (look under Assignments)</a:t>
+              <a:rPr lang="en-US" dirty="0" smtClean="0"/>
+              <a:t> Monday section site (look under Assignments)</a:t>
             </a:r>
           </a:p>
           <a:p>
@@ -3411,36 +3508,16 @@
               <a:buChar char="‐"/>
             </a:pPr>
             <a:r>
-              <a:rPr lang="en-US" dirty="0"/>
-              <a:t>Submit Project files by 5 PM, </a:t>
-            </a:r>
-            <a:r>
-              <a:rPr lang="en-US" dirty="0" smtClean="0"/>
-              <a:t>Wednesday 5/4 </a:t>
-            </a:r>
-            <a:r>
-              <a:rPr lang="en-US" dirty="0"/>
-              <a:t>to the </a:t>
-            </a:r>
-            <a:r>
-              <a:rPr lang="en-US" dirty="0" err="1"/>
+              <a:rPr lang="en-US" dirty="0" smtClean="0"/>
+              <a:t>Submit Project files by 11:30 PM, Tuesday 5/10 to the </a:t>
+            </a:r>
+            <a:r>
+              <a:rPr lang="en-US" dirty="0" err="1" smtClean="0"/>
               <a:t>Brightspace</a:t>
             </a:r>
             <a:r>
-              <a:rPr lang="en-US" dirty="0"/>
-              <a:t> Lecture </a:t>
-            </a:r>
-            <a:r>
-              <a:rPr lang="en-US" dirty="0" smtClean="0"/>
-              <a:t>site</a:t>
-            </a:r>
-            <a:r>
-              <a:rPr lang="en-US" dirty="0"/>
-              <a:t> (to be submitted by one member per team</a:t>
-            </a:r>
-            <a:r>
-              <a:rPr lang="en-US" dirty="0" smtClean="0"/>
-              <a:t>)</a:t>
+              <a:rPr lang="en-US" dirty="0" smtClean="0"/>
+              <a:t> Lecture site (to be submitted by one member per team)</a:t>
             </a:r>
           </a:p>
           <a:p>
